--- a/AzurePipelinesFromScratch/AzurePipelinesFromScratch.pptx
+++ b/AzurePipelinesFromScratch/AzurePipelinesFromScratch.pptx
@@ -4251,12 +4251,12 @@
         <p:spPr>
           <a:xfrm>
             <a:off x="723900" y="2693397"/>
-            <a:ext cx="10655300" cy="3478803"/>
+            <a:ext cx="10655300" cy="3825936"/>
           </a:xfrm>
         </p:spPr>
         <p:txBody>
           <a:bodyPr>
-            <a:normAutofit/>
+            <a:normAutofit fontScale="92500" lnSpcReduction="10000"/>
           </a:bodyPr>
           <a:lstStyle/>
           <a:p>
@@ -4279,10 +4279,18 @@
           </a:p>
           <a:p>
             <a:r>
-              <a:rPr lang="en-US" sz="4000" dirty="0" err="1"/>
+              <a:rPr lang="en-US" sz="4000" dirty="0"/>
               <a:t>jimmybogard.com</a:t>
             </a:r>
+          </a:p>
+          <a:p>
             <a:endParaRPr lang="en-US" sz="4000" dirty="0"/>
+          </a:p>
+          <a:p>
+            <a:r>
+              <a:rPr lang="en-US" sz="5200" b="1" dirty="0"/>
+              <a:t>Text DEVOPS to 50448</a:t>
+            </a:r>
           </a:p>
         </p:txBody>
       </p:sp>
